--- a/EUCWorldPresentation.pptx
+++ b/EUCWorldPresentation.pptx
@@ -297,7 +297,7 @@
       </p15:sldGuideLst>
     </p:ext>
     <p:ext uri="GoogleSlidesCustomDataVersion2">
-      <go:slidesCustomData xmlns="" xmlns:mc="http://schemas.openxmlformats.org/markup-compatibility/2006" xmlns:mv="urn:schemas-microsoft-com:mac:vml" xmlns:c="http://schemas.openxmlformats.org/drawingml/2006/chart" xmlns:dgm="http://schemas.openxmlformats.org/drawingml/2006/diagram" xmlns:o="urn:schemas-microsoft-com:office:office" xmlns:v="urn:schemas-microsoft-com:vml" xmlns:pvml="urn:schemas-microsoft-com:office:powerpoint" xmlns:com="http://schemas.openxmlformats.org/drawingml/2006/compatibility" xmlns:p14="http://schemas.microsoft.com/office/powerpoint/2010/main" xmlns:p15="http://schemas.microsoft.com/office/powerpoint/2012/main" xmlns:ahyp="http://schemas.microsoft.com/office/drawing/2018/hyperlinkcolor" xmlns:go="http://customooxmlschemas.google.com/" r:id="rId33" roundtripDataSignature="AMtx7mhH+2vyFmi8H71k37UmpuDBLXl2cQ=="/>
+      <go:slidesCustomData xmlns:go="http://customooxmlschemas.google.com/" xmlns:ahyp="http://schemas.microsoft.com/office/drawing/2018/hyperlinkcolor" xmlns:p15="http://schemas.microsoft.com/office/powerpoint/2012/main" xmlns:p14="http://schemas.microsoft.com/office/powerpoint/2010/main" xmlns:com="http://schemas.openxmlformats.org/drawingml/2006/compatibility" xmlns:pvml="urn:schemas-microsoft-com:office:powerpoint" xmlns:v="urn:schemas-microsoft-com:vml" xmlns:o="urn:schemas-microsoft-com:office:office" xmlns:dgm="http://schemas.openxmlformats.org/drawingml/2006/diagram" xmlns:c="http://schemas.openxmlformats.org/drawingml/2006/chart" xmlns:mv="urn:schemas-microsoft-com:mac:vml" xmlns:mc="http://schemas.openxmlformats.org/markup-compatibility/2006" xmlns="" r:id="rId33" roundtripDataSignature="AMtx7mhH+2vyFmi8H71k37UmpuDBLXl2cQ=="/>
     </p:ext>
   </p:extLst>
 </p:presentation>
@@ -18646,7 +18646,7 @@
         <p:spPr>
           <a:xfrm>
             <a:off x="1395663" y="2765775"/>
-            <a:ext cx="15272083" cy="5016758"/>
+            <a:ext cx="15272083" cy="6001643"/>
           </a:xfrm>
           <a:prstGeom prst="rect">
             <a:avLst/>
@@ -18801,6 +18801,25 @@
                 <a:latin typeface="+mn-lt"/>
               </a:rPr>
               <a:t> file</a:t>
+            </a:r>
+          </a:p>
+          <a:p>
+            <a:endParaRPr lang="en-US" sz="3200" dirty="0">
+              <a:solidFill>
+                <a:schemeClr val="bg1"/>
+              </a:solidFill>
+              <a:latin typeface="+mn-lt"/>
+            </a:endParaRPr>
+          </a:p>
+          <a:p>
+            <a:r>
+              <a:rPr lang="en-US" sz="2400" dirty="0">
+                <a:solidFill>
+                  <a:schemeClr val="bg1"/>
+                </a:solidFill>
+                <a:latin typeface="+mn-lt"/>
+              </a:rPr>
+              <a:t>	…continued next slide…</a:t>
             </a:r>
           </a:p>
           <a:p>
@@ -21534,7 +21553,19 @@
               <a:rPr lang="en-US" sz="2400" dirty="0">
                 <a:latin typeface="+mn-lt"/>
               </a:rPr>
-              <a:t>Your mileage will vary drastically depending on .ISO that is being used.</a:t>
+              <a:t>Your mileage will </a:t>
+            </a:r>
+            <a:r>
+              <a:rPr lang="en-US" sz="2400">
+                <a:latin typeface="+mn-lt"/>
+              </a:rPr>
+              <a:t>vary depending </a:t>
+            </a:r>
+            <a:r>
+              <a:rPr lang="en-US" sz="2400" dirty="0">
+                <a:latin typeface="+mn-lt"/>
+              </a:rPr>
+              <a:t>on .ISO that is being used.</a:t>
             </a:r>
           </a:p>
           <a:p>
@@ -27616,7 +27647,7 @@
                 </a:solidFill>
                 <a:latin typeface="+mn-lt"/>
               </a:rPr>
-              <a:t>Generally we use others tools for updates</a:t>
+              <a:t>Generally, we use other tools for updates</a:t>
             </a:r>
             <a:endParaRPr lang="en-US" sz="3200" dirty="0">
               <a:solidFill>
